--- a/L03P01_02 - Embedded Design/L03P01 - Week 00 - Overzicht.pptx
+++ b/L03P01_02 - Embedded Design/L03P01 - Week 00 - Overzicht.pptx
@@ -912,7 +912,7 @@
           <a:p>
             <a:fld id="{25ED37B6-3D2B-42F6-B75F-7E9C925A2B78}" type="datetimeFigureOut">
               <a:rPr lang="nl-NL" smtClean="0"/>
-              <a:t>30-08-2023</a:t>
+              <a:t>14-9-2023</a:t>
             </a:fld>
             <a:endParaRPr lang="nl-NL"/>
           </a:p>
@@ -978,7 +978,7 @@
           <a:p>
             <a:fld id="{70D9F7AB-EA22-43B3-A547-9779962390FA}" type="slidenum">
               <a:rPr lang="nl-NL" smtClean="0"/>
-              <a:t>‹#›</a:t>
+              <a:t>‹nr.›</a:t>
             </a:fld>
             <a:endParaRPr lang="nl-NL"/>
           </a:p>
@@ -1077,7 +1077,7 @@
           <a:p>
             <a:fld id="{67D95C54-6F9B-4C49-BF56-4D62B2D71ED9}" type="datetimeFigureOut">
               <a:rPr lang="nl-NL" smtClean="0"/>
-              <a:t>30-08-2023</a:t>
+              <a:t>14-9-2023</a:t>
             </a:fld>
             <a:endParaRPr lang="nl-NL"/>
           </a:p>
@@ -1235,7 +1235,7 @@
           <a:p>
             <a:fld id="{03F426EE-4AAC-45A7-A5E5-372300C4F3E7}" type="slidenum">
               <a:rPr lang="nl-NL" smtClean="0"/>
-              <a:t>‹#›</a:t>
+              <a:t>‹nr.›</a:t>
             </a:fld>
             <a:endParaRPr lang="nl-NL"/>
           </a:p>
@@ -7058,60 +7058,7 @@
                 <a:ea typeface="Calibri" panose="020F0502020204030204" pitchFamily="34" charset="0"/>
                 <a:cs typeface="Times New Roman" panose="02020603050405020304" pitchFamily="18" charset="0"/>
               </a:rPr>
-              <a:t> 		De microcontroller die hiervoor gebruikt moet worden is een </a:t>
-            </a:r>
-            <a:r>
-              <a:rPr lang="nl-NL" sz="1800" dirty="0" err="1">
-                <a:effectLst/>
-                <a:latin typeface="Calibri" panose="020F0502020204030204" pitchFamily="34" charset="0"/>
-                <a:ea typeface="Calibri" panose="020F0502020204030204" pitchFamily="34" charset="0"/>
-                <a:cs typeface="Times New Roman" panose="02020603050405020304" pitchFamily="18" charset="0"/>
-              </a:rPr>
-              <a:t>Arduino</a:t>
-            </a:r>
-            <a:r>
-              <a:rPr lang="nl-NL" sz="1800" dirty="0">
-                <a:effectLst/>
-                <a:latin typeface="Calibri" panose="020F0502020204030204" pitchFamily="34" charset="0"/>
-                <a:ea typeface="Calibri" panose="020F0502020204030204" pitchFamily="34" charset="0"/>
-                <a:cs typeface="Times New Roman" panose="02020603050405020304" pitchFamily="18" charset="0"/>
-              </a:rPr>
-              <a:t> </a:t>
-            </a:r>
-            <a:r>
-              <a:rPr lang="nl-NL" sz="1800" dirty="0" err="1">
-                <a:effectLst/>
-                <a:latin typeface="Calibri" panose="020F0502020204030204" pitchFamily="34" charset="0"/>
-                <a:ea typeface="Calibri" panose="020F0502020204030204" pitchFamily="34" charset="0"/>
-                <a:cs typeface="Times New Roman" panose="02020603050405020304" pitchFamily="18" charset="0"/>
-              </a:rPr>
-              <a:t>Uno</a:t>
-            </a:r>
-            <a:r>
-              <a:rPr lang="nl-NL" sz="1800" dirty="0">
-                <a:effectLst/>
-                <a:latin typeface="Calibri" panose="020F0502020204030204" pitchFamily="34" charset="0"/>
-                <a:ea typeface="Calibri" panose="020F0502020204030204" pitchFamily="34" charset="0"/>
-                <a:cs typeface="Times New Roman" panose="02020603050405020304" pitchFamily="18" charset="0"/>
-              </a:rPr>
-              <a:t>. </a:t>
-            </a:r>
-            <a:br>
-              <a:rPr lang="nl-NL" sz="1800" dirty="0">
-                <a:effectLst/>
-                <a:latin typeface="Calibri" panose="020F0502020204030204" pitchFamily="34" charset="0"/>
-                <a:ea typeface="Calibri" panose="020F0502020204030204" pitchFamily="34" charset="0"/>
-                <a:cs typeface="Times New Roman" panose="02020603050405020304" pitchFamily="18" charset="0"/>
-              </a:rPr>
-            </a:br>
-            <a:r>
-              <a:rPr lang="nl-NL" sz="1800" dirty="0">
-                <a:effectLst/>
-                <a:latin typeface="Calibri" panose="020F0502020204030204" pitchFamily="34" charset="0"/>
-                <a:ea typeface="Calibri" panose="020F0502020204030204" pitchFamily="34" charset="0"/>
-                <a:cs typeface="Times New Roman" panose="02020603050405020304" pitchFamily="18" charset="0"/>
-              </a:rPr>
-              <a:t>  		Verder moet het geheel worden voorzien van een temperatuursensor, een </a:t>
+              <a:t> 		Verder moet het geheel worden voorzien van een temperatuursensor, een </a:t>
             </a:r>
             <a:br>
               <a:rPr lang="nl-NL" sz="1800" dirty="0">
@@ -8696,60 +8643,7 @@
                 <a:ea typeface="Calibri" panose="020F0502020204030204" pitchFamily="34" charset="0"/>
                 <a:cs typeface="Times New Roman" panose="02020603050405020304" pitchFamily="18" charset="0"/>
               </a:rPr>
-              <a:t> 		De microcontroller die hiervoor gebruikt moet worden is een </a:t>
-            </a:r>
-            <a:r>
-              <a:rPr lang="nl-NL" sz="1800" dirty="0" err="1">
-                <a:effectLst/>
-                <a:latin typeface="Calibri" panose="020F0502020204030204" pitchFamily="34" charset="0"/>
-                <a:ea typeface="Calibri" panose="020F0502020204030204" pitchFamily="34" charset="0"/>
-                <a:cs typeface="Times New Roman" panose="02020603050405020304" pitchFamily="18" charset="0"/>
-              </a:rPr>
-              <a:t>Arduino</a:t>
-            </a:r>
-            <a:r>
-              <a:rPr lang="nl-NL" sz="1800" dirty="0">
-                <a:effectLst/>
-                <a:latin typeface="Calibri" panose="020F0502020204030204" pitchFamily="34" charset="0"/>
-                <a:ea typeface="Calibri" panose="020F0502020204030204" pitchFamily="34" charset="0"/>
-                <a:cs typeface="Times New Roman" panose="02020603050405020304" pitchFamily="18" charset="0"/>
-              </a:rPr>
-              <a:t> </a:t>
-            </a:r>
-            <a:r>
-              <a:rPr lang="nl-NL" sz="1800" dirty="0" err="1">
-                <a:effectLst/>
-                <a:latin typeface="Calibri" panose="020F0502020204030204" pitchFamily="34" charset="0"/>
-                <a:ea typeface="Calibri" panose="020F0502020204030204" pitchFamily="34" charset="0"/>
-                <a:cs typeface="Times New Roman" panose="02020603050405020304" pitchFamily="18" charset="0"/>
-              </a:rPr>
-              <a:t>Uno</a:t>
-            </a:r>
-            <a:r>
-              <a:rPr lang="nl-NL" sz="1800" dirty="0">
-                <a:effectLst/>
-                <a:latin typeface="Calibri" panose="020F0502020204030204" pitchFamily="34" charset="0"/>
-                <a:ea typeface="Calibri" panose="020F0502020204030204" pitchFamily="34" charset="0"/>
-                <a:cs typeface="Times New Roman" panose="02020603050405020304" pitchFamily="18" charset="0"/>
-              </a:rPr>
-              <a:t>. </a:t>
-            </a:r>
-            <a:br>
-              <a:rPr lang="nl-NL" sz="1800" dirty="0">
-                <a:effectLst/>
-                <a:latin typeface="Calibri" panose="020F0502020204030204" pitchFamily="34" charset="0"/>
-                <a:ea typeface="Calibri" panose="020F0502020204030204" pitchFamily="34" charset="0"/>
-                <a:cs typeface="Times New Roman" panose="02020603050405020304" pitchFamily="18" charset="0"/>
-              </a:rPr>
-            </a:br>
-            <a:r>
-              <a:rPr lang="nl-NL" sz="1800" dirty="0">
-                <a:effectLst/>
-                <a:latin typeface="Calibri" panose="020F0502020204030204" pitchFamily="34" charset="0"/>
-                <a:ea typeface="Calibri" panose="020F0502020204030204" pitchFamily="34" charset="0"/>
-                <a:cs typeface="Times New Roman" panose="02020603050405020304" pitchFamily="18" charset="0"/>
-              </a:rPr>
-              <a:t>  		Verder moet het geheel worden voorzien van een Real Time </a:t>
+              <a:t> 		Verder moet het geheel worden voorzien van een Real Time </a:t>
             </a:r>
             <a:r>
               <a:rPr lang="nl-NL" sz="1800" dirty="0" err="1">
@@ -11092,15 +10986,6 @@
 </file>
 
 <file path=customXml/item1.xml><?xml version="1.0" encoding="utf-8"?>
-<?mso-contentType ?>
-<FormTemplates xmlns="http://schemas.microsoft.com/sharepoint/v3/contenttype/forms">
-  <Display>DocumentLibraryForm</Display>
-  <Edit>DocumentLibraryForm</Edit>
-  <New>DocumentLibraryForm</New>
-</FormTemplates>
-</file>
-
-<file path=customXml/item2.xml><?xml version="1.0" encoding="utf-8"?>
 <ct:contentTypeSchema xmlns:ct="http://schemas.microsoft.com/office/2006/metadata/contentType" xmlns:ma="http://schemas.microsoft.com/office/2006/metadata/properties/metaAttributes" ct:_="" ma:_="" ma:contentTypeName="Document" ma:contentTypeID="0x0101004EE29C275B0330428D2BFA2C8D576F4B" ma:contentTypeVersion="0" ma:contentTypeDescription="Een nieuw document maken." ma:contentTypeScope="" ma:versionID="6f3e0ea117c09d99e40ae3b100a299dc">
   <xsd:schema xmlns:xsd="http://www.w3.org/2001/XMLSchema" xmlns:xs="http://www.w3.org/2001/XMLSchema" xmlns:p="http://schemas.microsoft.com/office/2006/metadata/properties" targetNamespace="http://schemas.microsoft.com/office/2006/metadata/properties" ma:root="true" ma:fieldsID="1978a156f712f99d6452530788f7ffe9">
     <xsd:element name="properties">
@@ -11214,6 +11099,15 @@
 </ct:contentTypeSchema>
 </file>
 
+<file path=customXml/item2.xml><?xml version="1.0" encoding="utf-8"?>
+<?mso-contentType ?>
+<FormTemplates xmlns="http://schemas.microsoft.com/sharepoint/v3/contenttype/forms">
+  <Display>DocumentLibraryForm</Display>
+  <Edit>DocumentLibraryForm</Edit>
+  <New>DocumentLibraryForm</New>
+</FormTemplates>
+</file>
+
 <file path=customXml/item3.xml><?xml version="1.0" encoding="utf-8"?>
 <p:properties xmlns:p="http://schemas.microsoft.com/office/2006/metadata/properties" xmlns:xsi="http://www.w3.org/2001/XMLSchema-instance" xmlns:pc="http://schemas.microsoft.com/office/infopath/2007/PartnerControls">
   <documentManagement/>
@@ -11221,14 +11115,6 @@
 </file>
 
 <file path=customXml/itemProps1.xml><?xml version="1.0" encoding="utf-8"?>
-<ds:datastoreItem xmlns:ds="http://schemas.openxmlformats.org/officeDocument/2006/customXml" ds:itemID="{C58370CC-8AF3-4E85-911D-3C7AD1FAAE10}">
-  <ds:schemaRefs>
-    <ds:schemaRef ds:uri="http://schemas.microsoft.com/sharepoint/v3/contenttype/forms"/>
-  </ds:schemaRefs>
-</ds:datastoreItem>
-</file>
-
-<file path=customXml/itemProps2.xml><?xml version="1.0" encoding="utf-8"?>
 <ds:datastoreItem xmlns:ds="http://schemas.openxmlformats.org/officeDocument/2006/customXml" ds:itemID="{7C812B3D-632E-45B1-BE3D-5F5FC6F96A1A}">
   <ds:schemaRefs>
     <ds:schemaRef ds:uri="http://schemas.microsoft.com/office/2006/metadata/contentType"/>
@@ -11240,6 +11126,14 @@
     <ds:schemaRef ds:uri="http://purl.org/dc/terms/"/>
     <ds:schemaRef ds:uri="http://schemas.microsoft.com/internal/obd"/>
     <ds:schemaRef ds:uri="http://schemas.microsoft.com/office/infopath/2007/PartnerControls"/>
+  </ds:schemaRefs>
+</ds:datastoreItem>
+</file>
+
+<file path=customXml/itemProps2.xml><?xml version="1.0" encoding="utf-8"?>
+<ds:datastoreItem xmlns:ds="http://schemas.openxmlformats.org/officeDocument/2006/customXml" ds:itemID="{C58370CC-8AF3-4E85-911D-3C7AD1FAAE10}">
+  <ds:schemaRefs>
+    <ds:schemaRef ds:uri="http://schemas.microsoft.com/sharepoint/v3/contenttype/forms"/>
   </ds:schemaRefs>
 </ds:datastoreItem>
 </file>
